--- a/Mine-Max Initial PPT.pptx
+++ b/Mine-Max Initial PPT.pptx
@@ -15,6 +15,7 @@
     <p:sldId id="263" r:id="rId9"/>
     <p:sldId id="264" r:id="rId10"/>
     <p:sldId id="265" r:id="rId11"/>
+    <p:sldId id="266" r:id="rId12"/>
   </p:sldIdLst>
   <p:sldSz cx="9144000" cy="5143500" type="screen16x9"/>
   <p:notesSz cx="6858000" cy="9144000"/>
@@ -1801,7 +1802,7 @@
           </a:lstStyle>
           <a:p>
             <a:r>
-              <a:rPr lang="en-US" smtClean="0"/>
+              <a:rPr lang="en-US"/>
               <a:t>Click to edit Master title style</a:t>
             </a:r>
             <a:endParaRPr lang="en-US" dirty="0"/>
@@ -1920,7 +1921,7 @@
           </a:lstStyle>
           <a:p>
             <a:r>
-              <a:rPr lang="en-US" smtClean="0"/>
+              <a:rPr lang="en-US"/>
               <a:t>Click to edit Master subtitle style</a:t>
             </a:r>
             <a:endParaRPr lang="en-US" dirty="0"/>
@@ -1944,7 +1945,7 @@
           <a:p>
             <a:fld id="{20A21031-2D24-44D2-9DB1-F4783AFB3FAC}" type="datetimeFigureOut">
               <a:rPr lang="en-US" smtClean="0"/>
-              <a:t>2/11/2019</a:t>
+              <a:t>2/25/2019</a:t>
             </a:fld>
             <a:endParaRPr lang="en-US"/>
           </a:p>
@@ -2033,10 +2034,9 @@
           <a:lstStyle/>
           <a:p>
             <a:r>
-              <a:rPr lang="en-US" smtClean="0"/>
+              <a:rPr lang="en-US"/>
               <a:t>Click to edit Master title style</a:t>
             </a:r>
-            <a:endParaRPr lang="en-US"/>
           </a:p>
         </p:txBody>
       </p:sp>
@@ -2073,38 +2073,37 @@
           <a:p>
             <a:pPr lvl="0"/>
             <a:r>
-              <a:rPr lang="en-US" smtClean="0"/>
+              <a:rPr lang="en-US"/>
               <a:t>Click to edit Master text styles</a:t>
             </a:r>
           </a:p>
           <a:p>
             <a:pPr lvl="1"/>
             <a:r>
-              <a:rPr lang="en-US" smtClean="0"/>
+              <a:rPr lang="en-US"/>
               <a:t>Second level</a:t>
             </a:r>
           </a:p>
           <a:p>
             <a:pPr lvl="2"/>
             <a:r>
-              <a:rPr lang="en-US" smtClean="0"/>
+              <a:rPr lang="en-US"/>
               <a:t>Third level</a:t>
             </a:r>
           </a:p>
           <a:p>
             <a:pPr lvl="3"/>
             <a:r>
-              <a:rPr lang="en-US" smtClean="0"/>
+              <a:rPr lang="en-US"/>
               <a:t>Fourth level</a:t>
             </a:r>
           </a:p>
           <a:p>
             <a:pPr lvl="4"/>
             <a:r>
-              <a:rPr lang="en-US" smtClean="0"/>
+              <a:rPr lang="en-US"/>
               <a:t>Fifth level</a:t>
             </a:r>
-            <a:endParaRPr lang="en-US"/>
           </a:p>
         </p:txBody>
       </p:sp>
@@ -2125,7 +2124,7 @@
           <a:p>
             <a:fld id="{20A21031-2D24-44D2-9DB1-F4783AFB3FAC}" type="datetimeFigureOut">
               <a:rPr lang="en-US" smtClean="0"/>
-              <a:t>2/11/2019</a:t>
+              <a:t>2/25/2019</a:t>
             </a:fld>
             <a:endParaRPr lang="en-US"/>
           </a:p>
@@ -2276,7 +2275,7 @@
           <a:p>
             <a:fld id="{20A21031-2D24-44D2-9DB1-F4783AFB3FAC}" type="datetimeFigureOut">
               <a:rPr lang="en-US" smtClean="0"/>
-              <a:t>2/11/2019</a:t>
+              <a:t>2/25/2019</a:t>
             </a:fld>
             <a:endParaRPr lang="en-US"/>
           </a:p>
@@ -3913,7 +3912,7 @@
           </a:lstStyle>
           <a:p>
             <a:r>
-              <a:rPr lang="en-US" smtClean="0"/>
+              <a:rPr lang="en-US"/>
               <a:t>Click to edit Master title style</a:t>
             </a:r>
             <a:endParaRPr lang="en-US" dirty="0"/>
@@ -3973,35 +3972,35 @@
           <a:p>
             <a:pPr lvl="0"/>
             <a:r>
-              <a:rPr lang="en-US" smtClean="0"/>
+              <a:rPr lang="en-US"/>
               <a:t>Click to edit Master text styles</a:t>
             </a:r>
           </a:p>
           <a:p>
             <a:pPr lvl="1"/>
             <a:r>
-              <a:rPr lang="en-US" smtClean="0"/>
+              <a:rPr lang="en-US"/>
               <a:t>Second level</a:t>
             </a:r>
           </a:p>
           <a:p>
             <a:pPr lvl="2"/>
             <a:r>
-              <a:rPr lang="en-US" smtClean="0"/>
+              <a:rPr lang="en-US"/>
               <a:t>Third level</a:t>
             </a:r>
           </a:p>
           <a:p>
             <a:pPr lvl="3"/>
             <a:r>
-              <a:rPr lang="en-US" smtClean="0"/>
+              <a:rPr lang="en-US"/>
               <a:t>Fourth level</a:t>
             </a:r>
           </a:p>
           <a:p>
             <a:pPr lvl="4"/>
             <a:r>
-              <a:rPr lang="en-US" smtClean="0"/>
+              <a:rPr lang="en-US"/>
               <a:t>Fifth level</a:t>
             </a:r>
             <a:endParaRPr lang="en-US" dirty="0"/>
@@ -4050,38 +4049,37 @@
           <a:p>
             <a:pPr lvl="0"/>
             <a:r>
-              <a:rPr lang="en-US" smtClean="0"/>
+              <a:rPr lang="en-US"/>
               <a:t>Click to edit Master text styles</a:t>
             </a:r>
           </a:p>
           <a:p>
             <a:pPr lvl="1"/>
             <a:r>
-              <a:rPr lang="en-US" smtClean="0"/>
+              <a:rPr lang="en-US"/>
               <a:t>Second level</a:t>
             </a:r>
           </a:p>
           <a:p>
             <a:pPr lvl="2"/>
             <a:r>
-              <a:rPr lang="en-US" smtClean="0"/>
+              <a:rPr lang="en-US"/>
               <a:t>Third level</a:t>
             </a:r>
           </a:p>
           <a:p>
             <a:pPr lvl="3"/>
             <a:r>
-              <a:rPr lang="en-US" smtClean="0"/>
+              <a:rPr lang="en-US"/>
               <a:t>Fourth level</a:t>
             </a:r>
           </a:p>
           <a:p>
             <a:pPr lvl="4"/>
             <a:r>
-              <a:rPr lang="en-US" smtClean="0"/>
+              <a:rPr lang="en-US"/>
               <a:t>Fifth level</a:t>
             </a:r>
-            <a:endParaRPr lang="en-US"/>
           </a:p>
         </p:txBody>
       </p:sp>
@@ -4102,7 +4100,7 @@
           <a:p>
             <a:fld id="{20A21031-2D24-44D2-9DB1-F4783AFB3FAC}" type="datetimeFigureOut">
               <a:rPr lang="en-US" smtClean="0"/>
-              <a:t>2/11/2019</a:t>
+              <a:t>2/25/2019</a:t>
             </a:fld>
             <a:endParaRPr lang="en-US"/>
           </a:p>
@@ -4166,10 +4164,9 @@
           <a:lstStyle/>
           <a:p>
             <a:r>
-              <a:rPr lang="en-US" smtClean="0"/>
+              <a:rPr lang="en-US"/>
               <a:t>Click to edit Master title style</a:t>
             </a:r>
-            <a:endParaRPr lang="en-US"/>
           </a:p>
         </p:txBody>
       </p:sp>
@@ -5829,7 +5826,7 @@
           </a:lstStyle>
           <a:p>
             <a:r>
-              <a:rPr lang="en-US" smtClean="0"/>
+              <a:rPr lang="en-US"/>
               <a:t>Click to edit Master title style</a:t>
             </a:r>
             <a:endParaRPr lang="en-US" dirty="0"/>
@@ -5949,7 +5946,7 @@
           <a:p>
             <a:pPr lvl="0"/>
             <a:r>
-              <a:rPr lang="en-US" smtClean="0"/>
+              <a:rPr lang="en-US"/>
               <a:t>Click to edit Master text styles</a:t>
             </a:r>
           </a:p>
@@ -5972,7 +5969,7 @@
           <a:p>
             <a:fld id="{20A21031-2D24-44D2-9DB1-F4783AFB3FAC}" type="datetimeFigureOut">
               <a:rPr lang="en-US" smtClean="0"/>
-              <a:t>2/11/2019</a:t>
+              <a:t>2/25/2019</a:t>
             </a:fld>
             <a:endParaRPr lang="en-US"/>
           </a:p>
@@ -6061,10 +6058,9 @@
           <a:lstStyle/>
           <a:p>
             <a:r>
-              <a:rPr lang="en-US" smtClean="0"/>
+              <a:rPr lang="en-US"/>
               <a:t>Click to edit Master title style</a:t>
             </a:r>
-            <a:endParaRPr lang="en-US"/>
           </a:p>
         </p:txBody>
       </p:sp>
@@ -6085,7 +6081,7 @@
           <a:p>
             <a:fld id="{20A21031-2D24-44D2-9DB1-F4783AFB3FAC}" type="datetimeFigureOut">
               <a:rPr lang="en-US" smtClean="0"/>
-              <a:t>2/11/2019</a:t>
+              <a:t>2/25/2019</a:t>
             </a:fld>
             <a:endParaRPr lang="en-US"/>
           </a:p>
@@ -6155,38 +6151,37 @@
           <a:p>
             <a:pPr lvl="0"/>
             <a:r>
-              <a:rPr lang="en-US" smtClean="0"/>
+              <a:rPr lang="en-US"/>
               <a:t>Click to edit Master text styles</a:t>
             </a:r>
           </a:p>
           <a:p>
             <a:pPr lvl="1"/>
             <a:r>
-              <a:rPr lang="en-US" smtClean="0"/>
+              <a:rPr lang="en-US"/>
               <a:t>Second level</a:t>
             </a:r>
           </a:p>
           <a:p>
             <a:pPr lvl="2"/>
             <a:r>
-              <a:rPr lang="en-US" smtClean="0"/>
+              <a:rPr lang="en-US"/>
               <a:t>Third level</a:t>
             </a:r>
           </a:p>
           <a:p>
             <a:pPr lvl="3"/>
             <a:r>
-              <a:rPr lang="en-US" smtClean="0"/>
+              <a:rPr lang="en-US"/>
               <a:t>Fourth level</a:t>
             </a:r>
           </a:p>
           <a:p>
             <a:pPr lvl="4"/>
             <a:r>
-              <a:rPr lang="en-US" smtClean="0"/>
+              <a:rPr lang="en-US"/>
               <a:t>Fifth level</a:t>
             </a:r>
-            <a:endParaRPr lang="en-US"/>
           </a:p>
         </p:txBody>
       </p:sp>
@@ -6212,38 +6207,37 @@
           <a:p>
             <a:pPr lvl="0"/>
             <a:r>
-              <a:rPr lang="en-US" smtClean="0"/>
+              <a:rPr lang="en-US"/>
               <a:t>Click to edit Master text styles</a:t>
             </a:r>
           </a:p>
           <a:p>
             <a:pPr lvl="1"/>
             <a:r>
-              <a:rPr lang="en-US" smtClean="0"/>
+              <a:rPr lang="en-US"/>
               <a:t>Second level</a:t>
             </a:r>
           </a:p>
           <a:p>
             <a:pPr lvl="2"/>
             <a:r>
-              <a:rPr lang="en-US" smtClean="0"/>
+              <a:rPr lang="en-US"/>
               <a:t>Third level</a:t>
             </a:r>
           </a:p>
           <a:p>
             <a:pPr lvl="3"/>
             <a:r>
-              <a:rPr lang="en-US" smtClean="0"/>
+              <a:rPr lang="en-US"/>
               <a:t>Fourth level</a:t>
             </a:r>
           </a:p>
           <a:p>
             <a:pPr lvl="4"/>
             <a:r>
-              <a:rPr lang="en-US" smtClean="0"/>
+              <a:rPr lang="en-US"/>
               <a:t>Fifth level</a:t>
             </a:r>
-            <a:endParaRPr lang="en-US"/>
           </a:p>
         </p:txBody>
       </p:sp>
@@ -6292,10 +6286,9 @@
           </a:lstStyle>
           <a:p>
             <a:r>
-              <a:rPr lang="en-US" smtClean="0"/>
+              <a:rPr lang="en-US"/>
               <a:t>Click to edit Master title style</a:t>
             </a:r>
-            <a:endParaRPr lang="en-US"/>
           </a:p>
         </p:txBody>
       </p:sp>
@@ -6363,7 +6356,7 @@
           <a:p>
             <a:pPr lvl="0"/>
             <a:r>
-              <a:rPr lang="en-US" smtClean="0"/>
+              <a:rPr lang="en-US"/>
               <a:t>Click to edit Master text styles</a:t>
             </a:r>
           </a:p>
@@ -6419,35 +6412,35 @@
           <a:p>
             <a:pPr lvl="0"/>
             <a:r>
-              <a:rPr lang="en-US" smtClean="0"/>
+              <a:rPr lang="en-US"/>
               <a:t>Click to edit Master text styles</a:t>
             </a:r>
           </a:p>
           <a:p>
             <a:pPr lvl="1"/>
             <a:r>
-              <a:rPr lang="en-US" smtClean="0"/>
+              <a:rPr lang="en-US"/>
               <a:t>Second level</a:t>
             </a:r>
           </a:p>
           <a:p>
             <a:pPr lvl="2"/>
             <a:r>
-              <a:rPr lang="en-US" smtClean="0"/>
+              <a:rPr lang="en-US"/>
               <a:t>Third level</a:t>
             </a:r>
           </a:p>
           <a:p>
             <a:pPr lvl="3"/>
             <a:r>
-              <a:rPr lang="en-US" smtClean="0"/>
+              <a:rPr lang="en-US"/>
               <a:t>Fourth level</a:t>
             </a:r>
           </a:p>
           <a:p>
             <a:pPr lvl="4"/>
             <a:r>
-              <a:rPr lang="en-US" smtClean="0"/>
+              <a:rPr lang="en-US"/>
               <a:t>Fifth level</a:t>
             </a:r>
             <a:endParaRPr lang="en-US" dirty="0"/>
@@ -6518,7 +6511,7 @@
           <a:p>
             <a:pPr lvl="0"/>
             <a:r>
-              <a:rPr lang="en-US" smtClean="0"/>
+              <a:rPr lang="en-US"/>
               <a:t>Click to edit Master text styles</a:t>
             </a:r>
           </a:p>
@@ -6574,35 +6567,35 @@
           <a:p>
             <a:pPr lvl="0"/>
             <a:r>
-              <a:rPr lang="en-US" smtClean="0"/>
+              <a:rPr lang="en-US"/>
               <a:t>Click to edit Master text styles</a:t>
             </a:r>
           </a:p>
           <a:p>
             <a:pPr lvl="1"/>
             <a:r>
-              <a:rPr lang="en-US" smtClean="0"/>
+              <a:rPr lang="en-US"/>
               <a:t>Second level</a:t>
             </a:r>
           </a:p>
           <a:p>
             <a:pPr lvl="2"/>
             <a:r>
-              <a:rPr lang="en-US" smtClean="0"/>
+              <a:rPr lang="en-US"/>
               <a:t>Third level</a:t>
             </a:r>
           </a:p>
           <a:p>
             <a:pPr lvl="3"/>
             <a:r>
-              <a:rPr lang="en-US" smtClean="0"/>
+              <a:rPr lang="en-US"/>
               <a:t>Fourth level</a:t>
             </a:r>
           </a:p>
           <a:p>
             <a:pPr lvl="4"/>
             <a:r>
-              <a:rPr lang="en-US" smtClean="0"/>
+              <a:rPr lang="en-US"/>
               <a:t>Fifth level</a:t>
             </a:r>
             <a:endParaRPr lang="en-US" dirty="0"/>
@@ -6626,7 +6619,7 @@
           <a:p>
             <a:fld id="{20A21031-2D24-44D2-9DB1-F4783AFB3FAC}" type="datetimeFigureOut">
               <a:rPr lang="en-US" smtClean="0"/>
-              <a:t>2/11/2019</a:t>
+              <a:t>2/25/2019</a:t>
             </a:fld>
             <a:endParaRPr lang="en-US"/>
           </a:p>
@@ -6715,10 +6708,9 @@
           <a:lstStyle/>
           <a:p>
             <a:r>
-              <a:rPr lang="en-US" smtClean="0"/>
+              <a:rPr lang="en-US"/>
               <a:t>Click to edit Master title style</a:t>
             </a:r>
-            <a:endParaRPr lang="en-US"/>
           </a:p>
         </p:txBody>
       </p:sp>
@@ -6739,7 +6731,7 @@
           <a:p>
             <a:fld id="{20A21031-2D24-44D2-9DB1-F4783AFB3FAC}" type="datetimeFigureOut">
               <a:rPr lang="en-US" smtClean="0"/>
-              <a:t>2/11/2019</a:t>
+              <a:t>2/25/2019</a:t>
             </a:fld>
             <a:endParaRPr lang="en-US"/>
           </a:p>
@@ -8450,7 +8442,7 @@
           <a:p>
             <a:fld id="{20A21031-2D24-44D2-9DB1-F4783AFB3FAC}" type="datetimeFigureOut">
               <a:rPr lang="en-US" smtClean="0"/>
-              <a:t>2/11/2019</a:t>
+              <a:t>2/25/2019</a:t>
             </a:fld>
             <a:endParaRPr lang="en-US"/>
           </a:p>
@@ -8601,7 +8593,7 @@
           <a:p>
             <a:fld id="{20A21031-2D24-44D2-9DB1-F4783AFB3FAC}" type="datetimeFigureOut">
               <a:rPr lang="en-US" smtClean="0"/>
-              <a:t>2/11/2019</a:t>
+              <a:t>2/25/2019</a:t>
             </a:fld>
             <a:endParaRPr lang="en-US"/>
           </a:p>
@@ -8720,7 +8712,7 @@
           <a:p>
             <a:pPr lvl="0"/>
             <a:r>
-              <a:rPr lang="en-US" smtClean="0"/>
+              <a:rPr lang="en-US"/>
               <a:t>Click to edit Master text styles</a:t>
             </a:r>
           </a:p>
@@ -10317,7 +10309,7 @@
           </a:lstStyle>
           <a:p>
             <a:r>
-              <a:rPr lang="en-US" smtClean="0"/>
+              <a:rPr lang="en-US"/>
               <a:t>Click to edit Master title style</a:t>
             </a:r>
             <a:endParaRPr lang="en-US" dirty="0"/>
@@ -10409,35 +10401,35 @@
           <a:p>
             <a:pPr lvl="0"/>
             <a:r>
-              <a:rPr lang="en-US" smtClean="0"/>
+              <a:rPr lang="en-US"/>
               <a:t>Click to edit Master text styles</a:t>
             </a:r>
           </a:p>
           <a:p>
             <a:pPr lvl="1"/>
             <a:r>
-              <a:rPr lang="en-US" smtClean="0"/>
+              <a:rPr lang="en-US"/>
               <a:t>Second level</a:t>
             </a:r>
           </a:p>
           <a:p>
             <a:pPr lvl="2"/>
             <a:r>
-              <a:rPr lang="en-US" smtClean="0"/>
+              <a:rPr lang="en-US"/>
               <a:t>Third level</a:t>
             </a:r>
           </a:p>
           <a:p>
             <a:pPr lvl="3"/>
             <a:r>
-              <a:rPr lang="en-US" smtClean="0"/>
+              <a:rPr lang="en-US"/>
               <a:t>Fourth level</a:t>
             </a:r>
           </a:p>
           <a:p>
             <a:pPr lvl="4"/>
             <a:r>
-              <a:rPr lang="en-US" smtClean="0"/>
+              <a:rPr lang="en-US"/>
               <a:t>Fifth level</a:t>
             </a:r>
             <a:endParaRPr lang="en-US" dirty="0"/>
@@ -12121,7 +12113,7 @@
           </a:lstStyle>
           <a:p>
             <a:r>
-              <a:rPr lang="en-US" smtClean="0"/>
+              <a:rPr lang="en-US"/>
               <a:t>Click to edit Master title style</a:t>
             </a:r>
             <a:endParaRPr lang="en-US" dirty="0"/>
@@ -12193,7 +12185,7 @@
           <a:p>
             <a:pPr lvl="0"/>
             <a:r>
-              <a:rPr lang="en-US" smtClean="0"/>
+              <a:rPr lang="en-US"/>
               <a:t>Click to edit Master text styles</a:t>
             </a:r>
           </a:p>
@@ -12216,7 +12208,7 @@
           <a:p>
             <a:fld id="{20A21031-2D24-44D2-9DB1-F4783AFB3FAC}" type="datetimeFigureOut">
               <a:rPr lang="en-US" smtClean="0"/>
-              <a:t>2/11/2019</a:t>
+              <a:t>2/25/2019</a:t>
             </a:fld>
             <a:endParaRPr lang="en-US"/>
           </a:p>
@@ -12351,7 +12343,7 @@
           </a:lstStyle>
           <a:p>
             <a:r>
-              <a:rPr lang="en-US" smtClean="0"/>
+              <a:rPr lang="en-US"/>
               <a:t>Click icon to add picture</a:t>
             </a:r>
             <a:endParaRPr lang="en-US" dirty="0"/>
@@ -14035,7 +14027,7 @@
           <a:lstStyle/>
           <a:p>
             <a:r>
-              <a:rPr lang="en-US" smtClean="0"/>
+              <a:rPr lang="en-US"/>
               <a:t>Click to edit Master title style</a:t>
             </a:r>
             <a:endParaRPr lang="en-US" dirty="0"/>
@@ -14075,7 +14067,7 @@
           <a:p>
             <a:fld id="{20A21031-2D24-44D2-9DB1-F4783AFB3FAC}" type="datetimeFigureOut">
               <a:rPr lang="en-US" smtClean="0"/>
-              <a:t>2/11/2019</a:t>
+              <a:t>2/25/2019</a:t>
             </a:fld>
             <a:endParaRPr lang="en-US"/>
           </a:p>
@@ -14182,35 +14174,35 @@
           <a:p>
             <a:pPr lvl="0"/>
             <a:r>
-              <a:rPr lang="en-US" smtClean="0"/>
+              <a:rPr lang="en-US"/>
               <a:t>Click to edit Master text styles</a:t>
             </a:r>
           </a:p>
           <a:p>
             <a:pPr lvl="1"/>
             <a:r>
-              <a:rPr lang="en-US" smtClean="0"/>
+              <a:rPr lang="en-US"/>
               <a:t>Second level</a:t>
             </a:r>
           </a:p>
           <a:p>
             <a:pPr lvl="2"/>
             <a:r>
-              <a:rPr lang="en-US" smtClean="0"/>
+              <a:rPr lang="en-US"/>
               <a:t>Third level</a:t>
             </a:r>
           </a:p>
           <a:p>
             <a:pPr lvl="3"/>
             <a:r>
-              <a:rPr lang="en-US" smtClean="0"/>
+              <a:rPr lang="en-US"/>
               <a:t>Fourth level</a:t>
             </a:r>
           </a:p>
           <a:p>
             <a:pPr lvl="4"/>
             <a:r>
-              <a:rPr lang="en-US" smtClean="0"/>
+              <a:rPr lang="en-US"/>
               <a:t>Fifth level</a:t>
             </a:r>
             <a:endParaRPr lang="en-US" dirty="0"/>
@@ -14614,14 +14606,11 @@
           <a:lstStyle/>
           <a:p>
             <a:r>
-              <a:rPr lang="en-US" sz="6000" dirty="0" smtClean="0">
+              <a:rPr lang="en-US" sz="6000" dirty="0">
                 <a:latin typeface="Adobe Caslon Pro Bold" pitchFamily="18" charset="0"/>
               </a:rPr>
               <a:t>Mine-Max</a:t>
             </a:r>
-            <a:endParaRPr lang="en-US" sz="6000" dirty="0">
-              <a:latin typeface="Adobe Caslon Pro Bold" pitchFamily="18" charset="0"/>
-            </a:endParaRPr>
           </a:p>
         </p:txBody>
       </p:sp>
@@ -14635,13 +14624,6 @@
   <p:clrMapOvr>
     <a:masterClrMapping/>
   </p:clrMapOvr>
-  <p:timing>
-    <p:tnLst>
-      <p:par>
-        <p:cTn id="1" dur="indefinite" restart="never" nodeType="tmRoot"/>
-      </p:par>
-    </p:tnLst>
-  </p:timing>
 </p:sld>
 </file>
 
@@ -14681,31 +14663,7 @@
           <a:p>
             <a:r>
               <a:rPr lang="en-US" dirty="0"/>
-              <a:t>Step 4: </a:t>
-            </a:r>
-            <a:r>
-              <a:rPr lang="en-US" dirty="0" smtClean="0"/>
-              <a:t>Clean </a:t>
-            </a:r>
-            <a:r>
-              <a:rPr lang="en-US" dirty="0"/>
-              <a:t>the entire </a:t>
-            </a:r>
-            <a:r>
-              <a:rPr lang="en-US" dirty="0" smtClean="0"/>
-              <a:t>data-set</a:t>
-            </a:r>
-            <a:r>
-              <a:rPr lang="en-US" dirty="0"/>
-              <a:t> </a:t>
-            </a:r>
-            <a:r>
-              <a:rPr lang="en-US" dirty="0" smtClean="0"/>
-              <a:t>for </a:t>
-            </a:r>
-            <a:r>
-              <a:rPr lang="en-US" dirty="0"/>
-              <a:t>make sure that the dictionary we have created in step 3 works on this entire dataset.</a:t>
+              <a:t>Step 4: Clean the entire data-set for make sure that the dictionary we have created in step 3 works on this entire dataset.</a:t>
             </a:r>
           </a:p>
           <a:p>
@@ -14763,6 +14721,168 @@
 </p:sld>
 </file>
 
+<file path=ppt/slides/slide11.xml><?xml version="1.0" encoding="utf-8"?>
+<p:sld xmlns:a="http://schemas.openxmlformats.org/drawingml/2006/main" xmlns:r="http://schemas.openxmlformats.org/officeDocument/2006/relationships" xmlns:p="http://schemas.openxmlformats.org/presentationml/2006/main">
+  <p:cSld>
+    <p:spTree>
+      <p:nvGrpSpPr>
+        <p:cNvPr id="1" name=""/>
+        <p:cNvGrpSpPr/>
+        <p:nvPr/>
+      </p:nvGrpSpPr>
+      <p:grpSpPr>
+        <a:xfrm>
+          <a:off x="0" y="0"/>
+          <a:ext cx="0" cy="0"/>
+          <a:chOff x="0" y="0"/>
+          <a:chExt cx="0" cy="0"/>
+        </a:xfrm>
+      </p:grpSpPr>
+      <p:sp>
+        <p:nvSpPr>
+          <p:cNvPr id="2" name="Content Placeholder 1">
+            <a:extLst>
+              <a:ext uri="{FF2B5EF4-FFF2-40B4-BE49-F238E27FC236}">
+                <a16:creationId xmlns:a16="http://schemas.microsoft.com/office/drawing/2014/main" id="{CBB47A92-03FC-4EE2-B287-68E0C2996629}"/>
+              </a:ext>
+            </a:extLst>
+          </p:cNvPr>
+          <p:cNvSpPr>
+            <a:spLocks noGrp="1"/>
+          </p:cNvSpPr>
+          <p:nvPr>
+            <p:ph idx="1"/>
+          </p:nvPr>
+        </p:nvSpPr>
+        <p:spPr/>
+        <p:txBody>
+          <a:bodyPr>
+            <a:normAutofit/>
+          </a:bodyPr>
+          <a:lstStyle/>
+          <a:p>
+            <a:r>
+              <a:rPr lang="en-US" sz="1600" dirty="0">
+                <a:solidFill>
+                  <a:schemeClr val="accent1"/>
+                </a:solidFill>
+                <a:hlinkClick r:id="rId2">
+                  <a:extLst>
+                    <a:ext uri="{A12FA001-AC4F-418D-AE19-62706E023703}">
+                      <ahyp:hlinkClr xmlns:ahyp="http://schemas.microsoft.com/office/drawing/2018/hyperlinkcolor" val="tx"/>
+                    </a:ext>
+                  </a:extLst>
+                </a:hlinkClick>
+              </a:rPr>
+              <a:t>https://chapters.theiia.org/topeka/Documents/Topeka%20IIA%20Nov5%20Printable.pdf</a:t>
+            </a:r>
+            <a:endParaRPr lang="en-US" sz="1600" dirty="0">
+              <a:solidFill>
+                <a:schemeClr val="accent1"/>
+              </a:solidFill>
+            </a:endParaRPr>
+          </a:p>
+          <a:p>
+            <a:r>
+              <a:rPr lang="en-US" sz="1600" dirty="0">
+                <a:solidFill>
+                  <a:schemeClr val="accent1"/>
+                </a:solidFill>
+                <a:hlinkClick r:id="rId3">
+                  <a:extLst>
+                    <a:ext uri="{A12FA001-AC4F-418D-AE19-62706E023703}">
+                      <ahyp:hlinkClr xmlns:ahyp="http://schemas.microsoft.com/office/drawing/2018/hyperlinkcolor" val="tx"/>
+                    </a:ext>
+                  </a:extLst>
+                </a:hlinkClick>
+              </a:rPr>
+              <a:t>https://www.analyticsvidhya.com/blog/2014/08/understanding-analyzing-hidden-structures-unstructured-dataset/</a:t>
+            </a:r>
+            <a:endParaRPr lang="en-US" sz="1600" dirty="0">
+              <a:solidFill>
+                <a:schemeClr val="accent1"/>
+              </a:solidFill>
+            </a:endParaRPr>
+          </a:p>
+          <a:p>
+            <a:r>
+              <a:rPr lang="en-US" sz="1600" dirty="0">
+                <a:solidFill>
+                  <a:schemeClr val="accent1"/>
+                </a:solidFill>
+                <a:hlinkClick r:id="rId4">
+                  <a:extLst>
+                    <a:ext uri="{A12FA001-AC4F-418D-AE19-62706E023703}">
+                      <ahyp:hlinkClr xmlns:ahyp="http://schemas.microsoft.com/office/drawing/2018/hyperlinkcolor" val="tx"/>
+                    </a:ext>
+                  </a:extLst>
+                </a:hlinkClick>
+              </a:rPr>
+              <a:t>https://github.com/topics/unstructured-data</a:t>
+            </a:r>
+            <a:r>
+              <a:rPr lang="en-US" sz="1600" dirty="0">
+                <a:solidFill>
+                  <a:schemeClr val="accent1"/>
+                </a:solidFill>
+              </a:rPr>
+              <a:t>  </a:t>
+            </a:r>
+          </a:p>
+          <a:p>
+            <a:r>
+              <a:rPr lang="en-US" sz="1600" dirty="0">
+                <a:solidFill>
+                  <a:schemeClr val="accent1"/>
+                </a:solidFill>
+                <a:latin typeface="+mj-lt"/>
+              </a:rPr>
+              <a:t>The Text Mining Handbook: Advanced Approaches in Analyzing Unstructured Data By Ronen Feldman, James Sanger</a:t>
+            </a:r>
+          </a:p>
+        </p:txBody>
+      </p:sp>
+      <p:sp>
+        <p:nvSpPr>
+          <p:cNvPr id="3" name="Title 2">
+            <a:extLst>
+              <a:ext uri="{FF2B5EF4-FFF2-40B4-BE49-F238E27FC236}">
+                <a16:creationId xmlns:a16="http://schemas.microsoft.com/office/drawing/2014/main" id="{26DBC77F-A66B-4973-8687-9B2CA44BC3F1}"/>
+              </a:ext>
+            </a:extLst>
+          </p:cNvPr>
+          <p:cNvSpPr>
+            <a:spLocks noGrp="1"/>
+          </p:cNvSpPr>
+          <p:nvPr>
+            <p:ph type="title"/>
+          </p:nvPr>
+        </p:nvSpPr>
+        <p:spPr/>
+        <p:txBody>
+          <a:bodyPr/>
+          <a:lstStyle/>
+          <a:p>
+            <a:r>
+              <a:rPr lang="en-US" b="1" dirty="0"/>
+              <a:t>References </a:t>
+            </a:r>
+          </a:p>
+        </p:txBody>
+      </p:sp>
+    </p:spTree>
+    <p:extLst>
+      <p:ext uri="{BB962C8B-B14F-4D97-AF65-F5344CB8AC3E}">
+        <p14:creationId xmlns:p14="http://schemas.microsoft.com/office/powerpoint/2010/main" val="1658801512"/>
+      </p:ext>
+    </p:extLst>
+  </p:cSld>
+  <p:clrMapOvr>
+    <a:masterClrMapping/>
+  </p:clrMapOvr>
+</p:sld>
+</file>
+
 <file path=ppt/slides/slide2.xml><?xml version="1.0" encoding="utf-8"?>
 <p:sld xmlns:a="http://schemas.openxmlformats.org/drawingml/2006/main" xmlns:r="http://schemas.openxmlformats.org/officeDocument/2006/relationships" xmlns:p="http://schemas.openxmlformats.org/presentationml/2006/main">
   <p:cSld>
@@ -14801,31 +14921,31 @@
           <a:lstStyle/>
           <a:p>
             <a:r>
-              <a:rPr lang="en-US" dirty="0" smtClean="0"/>
+              <a:rPr lang="en-US" dirty="0"/>
               <a:t>INTRODUCTION</a:t>
             </a:r>
           </a:p>
           <a:p>
             <a:r>
-              <a:rPr lang="en-US" dirty="0" smtClean="0"/>
+              <a:rPr lang="en-US" dirty="0"/>
               <a:t>EXISTING SYSTEM</a:t>
             </a:r>
           </a:p>
           <a:p>
             <a:r>
-              <a:rPr lang="en-US" dirty="0" smtClean="0"/>
+              <a:rPr lang="en-US" dirty="0"/>
               <a:t>PROPOSED SYSTEM</a:t>
             </a:r>
           </a:p>
           <a:p>
             <a:r>
-              <a:rPr lang="en-US" dirty="0" smtClean="0"/>
+              <a:rPr lang="en-US" dirty="0"/>
               <a:t>UNSTRUCTURED DATA </a:t>
             </a:r>
           </a:p>
           <a:p>
             <a:r>
-              <a:rPr lang="en-US" dirty="0" smtClean="0"/>
+              <a:rPr lang="en-US" dirty="0"/>
               <a:t>UNSTRUCTURED DATA MINING </a:t>
             </a:r>
           </a:p>
@@ -14852,10 +14972,9 @@
           <a:lstStyle/>
           <a:p>
             <a:r>
-              <a:rPr lang="en-US" sz="4000" b="1" dirty="0" smtClean="0"/>
+              <a:rPr lang="en-US" sz="4000" b="1" dirty="0"/>
               <a:t>CONTENTS</a:t>
             </a:r>
-            <a:endParaRPr lang="en-US" sz="4000" b="1" dirty="0"/>
           </a:p>
         </p:txBody>
       </p:sp>
@@ -14869,13 +14988,6 @@
   <p:clrMapOvr>
     <a:masterClrMapping/>
   </p:clrMapOvr>
-  <p:timing>
-    <p:tnLst>
-      <p:par>
-        <p:cTn id="1" dur="indefinite" restart="never" nodeType="tmRoot"/>
-      </p:par>
-    </p:tnLst>
-  </p:timing>
 </p:sld>
 </file>
 
@@ -14919,22 +15031,21 @@
           <a:lstStyle/>
           <a:p>
             <a:r>
-              <a:rPr lang="en-US" sz="2000" dirty="0" smtClean="0"/>
+              <a:rPr lang="en-US" sz="2000" dirty="0"/>
               <a:t>Mine-Max is a framework for handling any kind of unstructured data.</a:t>
             </a:r>
           </a:p>
           <a:p>
             <a:r>
-              <a:rPr lang="en-US" sz="2000" dirty="0" smtClean="0"/>
+              <a:rPr lang="en-US" sz="2000" dirty="0"/>
               <a:t>It performs unstructured data mining, storage, analysis and visualization of the data.</a:t>
             </a:r>
           </a:p>
           <a:p>
             <a:r>
-              <a:rPr lang="en-US" sz="2000" dirty="0" smtClean="0"/>
+              <a:rPr lang="en-US" sz="2000" dirty="0"/>
               <a:t>The system takes unstructured data from various sources as input.</a:t>
             </a:r>
-            <a:endParaRPr lang="en-US" sz="2000" dirty="0"/>
           </a:p>
         </p:txBody>
       </p:sp>
@@ -14956,10 +15067,9 @@
           <a:lstStyle/>
           <a:p>
             <a:r>
-              <a:rPr lang="en-US" sz="4000" b="1" dirty="0" smtClean="0"/>
+              <a:rPr lang="en-US" sz="4000" b="1" dirty="0"/>
               <a:t>INTRODUCTION</a:t>
             </a:r>
-            <a:endParaRPr lang="en-US" sz="4000" b="1" dirty="0"/>
           </a:p>
         </p:txBody>
       </p:sp>
@@ -14973,13 +15083,6 @@
   <p:clrMapOvr>
     <a:masterClrMapping/>
   </p:clrMapOvr>
-  <p:timing>
-    <p:tnLst>
-      <p:par>
-        <p:cTn id="1" dur="indefinite" restart="never" nodeType="tmRoot"/>
-      </p:par>
-    </p:tnLst>
-  </p:timing>
 </p:sld>
 </file>
 
@@ -15283,31 +15386,31 @@
           <a:lstStyle/>
           <a:p>
             <a:r>
-              <a:rPr lang="en-US" sz="2000" dirty="0" smtClean="0"/>
+              <a:rPr lang="en-US" sz="2000" dirty="0"/>
               <a:t>The proposed system can handle all kinds of unstructured data.</a:t>
             </a:r>
           </a:p>
           <a:p>
             <a:r>
-              <a:rPr lang="en-US" sz="2000" dirty="0" smtClean="0"/>
+              <a:rPr lang="en-US" sz="2000" dirty="0"/>
               <a:t>Simple and effective user interface.</a:t>
             </a:r>
           </a:p>
           <a:p>
             <a:r>
-              <a:rPr lang="en-US" sz="2000" dirty="0" smtClean="0"/>
+              <a:rPr lang="en-US" sz="2000" dirty="0"/>
               <a:t>The system can be handled by anyone.</a:t>
             </a:r>
           </a:p>
           <a:p>
             <a:r>
-              <a:rPr lang="en-US" sz="2000" dirty="0" smtClean="0"/>
+              <a:rPr lang="en-US" sz="2000" dirty="0"/>
               <a:t>The system can find out the hidden information from the unstructured data.</a:t>
             </a:r>
           </a:p>
           <a:p>
             <a:r>
-              <a:rPr lang="en-US" sz="2000" dirty="0" smtClean="0"/>
+              <a:rPr lang="en-US" sz="2000" dirty="0"/>
               <a:t>It also provides: Data analysis, storage and visualization using various methods. </a:t>
             </a:r>
           </a:p>
@@ -15334,10 +15437,9 @@
           <a:lstStyle/>
           <a:p>
             <a:r>
-              <a:rPr lang="en-US" sz="4000" b="1" dirty="0" smtClean="0"/>
+              <a:rPr lang="en-US" sz="4000" b="1" dirty="0"/>
               <a:t>PROPOSED SYSTEM </a:t>
             </a:r>
-            <a:endParaRPr lang="en-US" sz="4000" b="1" dirty="0"/>
           </a:p>
         </p:txBody>
       </p:sp>
@@ -15351,13 +15453,6 @@
   <p:clrMapOvr>
     <a:masterClrMapping/>
   </p:clrMapOvr>
-  <p:timing>
-    <p:tnLst>
-      <p:par>
-        <p:cTn id="1" dur="indefinite" restart="never" nodeType="tmRoot"/>
-      </p:par>
-    </p:tnLst>
-  </p:timing>
 </p:sld>
 </file>
 
@@ -15396,10 +15491,9 @@
           <a:lstStyle/>
           <a:p>
             <a:r>
-              <a:rPr lang="en-US" sz="4000" b="1" dirty="0" smtClean="0"/>
+              <a:rPr lang="en-US" sz="4000" b="1" dirty="0"/>
               <a:t>UNSTRUCTURED DATA </a:t>
             </a:r>
-            <a:endParaRPr lang="en-US" sz="4000" b="1" dirty="0"/>
           </a:p>
         </p:txBody>
       </p:sp>
@@ -15513,10 +15607,9 @@
           <a:lstStyle/>
           <a:p>
             <a:r>
-              <a:rPr lang="en-US" sz="4000" b="1" dirty="0" smtClean="0"/>
+              <a:rPr lang="en-US" sz="4000" b="1" dirty="0"/>
               <a:t>UNSTRUCTURED DATA MINING  </a:t>
             </a:r>
-            <a:endParaRPr lang="en-US" sz="4000" b="1" dirty="0"/>
           </a:p>
         </p:txBody>
       </p:sp>
@@ -15594,13 +15687,6 @@
   <p:clrMapOvr>
     <a:masterClrMapping/>
   </p:clrMapOvr>
-  <p:timing>
-    <p:tnLst>
-      <p:par>
-        <p:cTn id="1" dur="indefinite" restart="never" nodeType="tmRoot"/>
-      </p:par>
-    </p:tnLst>
-  </p:timing>
 </p:sld>
 </file>
 
@@ -15644,23 +15730,7 @@
             </a:r>
             <a:r>
               <a:rPr lang="en-US" dirty="0"/>
-              <a:t> : </a:t>
-            </a:r>
-            <a:r>
-              <a:rPr lang="en-US" dirty="0" smtClean="0"/>
-              <a:t>We </a:t>
-            </a:r>
-            <a:r>
-              <a:rPr lang="en-US" dirty="0"/>
-              <a:t>take a random/stratified </a:t>
-            </a:r>
-            <a:r>
-              <a:rPr lang="en-US" dirty="0" smtClean="0"/>
-              <a:t>sample text </a:t>
-            </a:r>
-            <a:r>
-              <a:rPr lang="en-US" dirty="0"/>
-              <a:t>to build a dictionary.</a:t>
+              <a:t> : We take a random/stratified sample text to build a dictionary.</a:t>
             </a:r>
           </a:p>
           <a:p>
@@ -15670,21 +15740,8 @@
             </a:r>
             <a:r>
               <a:rPr lang="en-US" dirty="0"/>
-              <a:t> </a:t>
+              <a:t> : Clean the data</a:t>
             </a:r>
-            <a:r>
-              <a:rPr lang="en-US" dirty="0" smtClean="0"/>
-              <a:t>: Clean </a:t>
-            </a:r>
-            <a:r>
-              <a:rPr lang="en-US" dirty="0"/>
-              <a:t>the </a:t>
-            </a:r>
-            <a:r>
-              <a:rPr lang="en-US" dirty="0" smtClean="0"/>
-              <a:t>data</a:t>
-            </a:r>
-            <a:endParaRPr lang="en-US" dirty="0"/>
           </a:p>
           <a:p>
             <a:r>
@@ -15693,21 +15750,8 @@
             </a:r>
             <a:r>
               <a:rPr lang="en-US" dirty="0"/>
-              <a:t> : </a:t>
+              <a:t> : Extract the most frequently occurring words</a:t>
             </a:r>
-            <a:r>
-              <a:rPr lang="en-US" dirty="0" smtClean="0"/>
-              <a:t>Extract the </a:t>
-            </a:r>
-            <a:r>
-              <a:rPr lang="en-US" dirty="0"/>
-              <a:t>most frequently occurring </a:t>
-            </a:r>
-            <a:r>
-              <a:rPr lang="en-US" dirty="0" smtClean="0"/>
-              <a:t>words</a:t>
-            </a:r>
-            <a:endParaRPr lang="en-US" dirty="0"/>
           </a:p>
         </p:txBody>
       </p:sp>
